--- a/final/1st review/FAKE CURRENCY DETECTION USING IMAGE PROCESSING.pptx
+++ b/final/1st review/FAKE CURRENCY DETECTION USING IMAGE PROCESSING.pptx
@@ -13,12 +13,13 @@
     <p:sldId id="259" r:id="rId7"/>
     <p:sldId id="260" r:id="rId8"/>
     <p:sldId id="261" r:id="rId9"/>
-    <p:sldId id="264" r:id="rId10"/>
-    <p:sldId id="265" r:id="rId11"/>
-    <p:sldId id="266" r:id="rId12"/>
-    <p:sldId id="262" r:id="rId13"/>
-    <p:sldId id="267" r:id="rId14"/>
-    <p:sldId id="263" r:id="rId15"/>
+    <p:sldId id="270" r:id="rId10"/>
+    <p:sldId id="264" r:id="rId11"/>
+    <p:sldId id="265" r:id="rId12"/>
+    <p:sldId id="266" r:id="rId13"/>
+    <p:sldId id="262" r:id="rId14"/>
+    <p:sldId id="267" r:id="rId15"/>
+    <p:sldId id="263" r:id="rId16"/>
   </p:sldIdLst>
   <p:sldSz cx="12192000" cy="6858000"/>
   <p:notesSz cx="6858000" cy="9144000"/>
@@ -3492,7 +3493,7 @@
           <p:cNvPr id="2" name="Title 1">
             <a:extLst>
               <a:ext uri="{FF2B5EF4-FFF2-40B4-BE49-F238E27FC236}">
-                <a16:creationId xmlns:a16="http://schemas.microsoft.com/office/drawing/2014/main" id="{0645BCCF-6C91-A5E4-4EA5-57FFA4081288}"/>
+                <a16:creationId xmlns:a16="http://schemas.microsoft.com/office/drawing/2014/main" id="{BA769F0C-E38E-9142-F5E1-E44888EA9987}"/>
               </a:ext>
             </a:extLst>
           </p:cNvPr>
@@ -3512,7 +3513,7 @@
               <a:rPr lang="en-IN" dirty="0">
                 <a:latin typeface="Algerian" panose="04020705040A02060702" pitchFamily="82" charset="0"/>
               </a:rPr>
-              <a:t>METHODOLOGY</a:t>
+              <a:t>KNN TECHNIQUE</a:t>
             </a:r>
           </a:p>
         </p:txBody>
@@ -3522,7 +3523,7 @@
           <p:cNvPr id="3" name="Content Placeholder 2">
             <a:extLst>
               <a:ext uri="{FF2B5EF4-FFF2-40B4-BE49-F238E27FC236}">
-                <a16:creationId xmlns:a16="http://schemas.microsoft.com/office/drawing/2014/main" id="{AC5CB152-372A-5CC4-1DF0-E6CA89C2078B}"/>
+                <a16:creationId xmlns:a16="http://schemas.microsoft.com/office/drawing/2014/main" id="{20BFEC9D-6A68-A5D5-EED7-04605063126C}"/>
               </a:ext>
             </a:extLst>
           </p:cNvPr>
@@ -3536,87 +3537,67 @@
         <p:spPr/>
         <p:txBody>
           <a:bodyPr>
-            <a:normAutofit fontScale="62500" lnSpcReduction="20000"/>
+            <a:normAutofit fontScale="77500" lnSpcReduction="20000"/>
           </a:bodyPr>
           <a:lstStyle/>
           <a:p>
-            <a:pPr marL="0" indent="0">
-              <a:buNone/>
-            </a:pPr>
             <a:r>
               <a:rPr lang="en-US" dirty="0"/>
-              <a:t>1. See through Register :</a:t>
-            </a:r>
-          </a:p>
-          <a:p>
-            <a:pPr marL="0" indent="0">
-              <a:buNone/>
-            </a:pPr>
+              <a:t>K nearest </a:t>
+            </a:r>
+            <a:r>
+              <a:rPr lang="en-US" dirty="0" err="1"/>
+              <a:t>neighbour</a:t>
+            </a:r>
             <a:r>
               <a:rPr lang="en-US" dirty="0"/>
-              <a:t>                        The small floral design printed both on the front (hollow)and back (filled up) of the note in the middle of the vertical band next to the Watermark has an accurate back to back registration. The design will appear as floral design when seen against the light. </a:t>
-            </a:r>
-          </a:p>
-          <a:p>
-            <a:pPr marL="0" indent="0">
-              <a:buNone/>
-            </a:pPr>
+              <a:t> algorithm is very simple.</a:t>
+            </a:r>
+          </a:p>
+          <a:p>
             <a:r>
               <a:rPr lang="en-US" dirty="0"/>
-              <a:t>2. Water marking : </a:t>
-            </a:r>
-          </a:p>
-          <a:p>
-            <a:pPr marL="0" indent="0">
-              <a:buNone/>
-            </a:pPr>
+              <a:t> It works based on minimum distance from the query instance to the training samples to determine the K-nearest </a:t>
+            </a:r>
+            <a:r>
+              <a:rPr lang="en-US" dirty="0" err="1"/>
+              <a:t>neighbours</a:t>
+            </a:r>
             <a:r>
               <a:rPr lang="en-US" dirty="0"/>
-              <a:t>                          The Mahatma Gandhi Series of banknotes contain the Mahatma Gandhi watermark with a light and shade effect and multidirectional lines in the watermark window. </a:t>
-            </a:r>
-          </a:p>
-          <a:p>
-            <a:pPr marL="0" indent="0">
-              <a:buNone/>
-            </a:pPr>
+              <a:t>.</a:t>
+            </a:r>
+          </a:p>
+          <a:p>
             <a:r>
               <a:rPr lang="en-US" dirty="0"/>
-              <a:t>3. Fluorescence : </a:t>
-            </a:r>
-          </a:p>
-          <a:p>
-            <a:pPr marL="0" indent="0">
-              <a:buNone/>
-            </a:pPr>
+              <a:t> The data for KNN algorithm consist of several multivariate attributes name that will be used to classify images. </a:t>
+            </a:r>
+          </a:p>
+          <a:p>
             <a:r>
               <a:rPr lang="en-US" dirty="0"/>
-              <a:t>                    Number panels of the notes are printed in fluorescent ink. The notes also have optical </a:t>
+              <a:t>K nearest </a:t>
             </a:r>
             <a:r>
               <a:rPr lang="en-US" dirty="0" err="1"/>
-              <a:t>fibres</a:t>
+              <a:t>neighbours</a:t>
             </a:r>
             <a:r>
               <a:rPr lang="en-US" dirty="0"/>
-              <a:t>. Both can be seen when the notes are exposed to ultra-violet lamp. </a:t>
-            </a:r>
-          </a:p>
-          <a:p>
-            <a:pPr marL="0" indent="0">
-              <a:buNone/>
-            </a:pPr>
+              <a:t> is a simple algorithm that stores all available cases and classifies new cases based on a similarity measure (e.g., distance functions). KNN has been used in statistical estimation and pattern recognition. </a:t>
+            </a:r>
+          </a:p>
+          <a:p>
             <a:r>
               <a:rPr lang="en-US" dirty="0"/>
-              <a:t>4. Security Thread :  </a:t>
-            </a:r>
-          </a:p>
-          <a:p>
-            <a:pPr marL="0" indent="0">
-              <a:buNone/>
-            </a:pPr>
+              <a:t>The KNN algorithm is a robust and versatile classifier that is often used as a benchmark for more complex classifiers such as Artificial Neural Networks (ANN) and Support Vector Machines (SVM). </a:t>
+            </a:r>
+          </a:p>
+          <a:p>
             <a:r>
               <a:rPr lang="en-US" dirty="0"/>
-              <a:t>                               The Rs.500 and Rs.100 notes have a security thread with similar visible features and inscription Bharat (in Hindi), and RBI. When held against the light, the security thread on Rs.1000, Rs.500 and Rs.100 can be seen as one continuous line. The Rs.5, Rs.10, Rs.20 and Rs.50 notes contain a readable, fully embedded windowed security thread with the inscription “Bharat” (in Hindi), and RBI. The security thread appears to the left of the Mahatma's portrait</a:t>
+              <a:t>Despite its simplicity, KNN can outperform more powerful classifiers and is used in a variety of applications such as economic forecasting, data compression and genetics. For example, KNN was leveraged of functional genomics for the assignment of genes based on their expression profiles. </a:t>
             </a:r>
             <a:endParaRPr lang="en-IN" dirty="0"/>
           </a:p>
@@ -3625,7 +3606,7 @@
     </p:spTree>
     <p:extLst>
       <p:ext uri="{BB962C8B-B14F-4D97-AF65-F5344CB8AC3E}">
-        <p14:creationId xmlns:p14="http://schemas.microsoft.com/office/powerpoint/2010/main" val="84277661"/>
+        <p14:creationId xmlns:p14="http://schemas.microsoft.com/office/powerpoint/2010/main" val="2046627184"/>
       </p:ext>
     </p:extLst>
   </p:cSld>
@@ -3654,10 +3635,40 @@
       </p:grpSpPr>
       <p:sp>
         <p:nvSpPr>
+          <p:cNvPr id="2" name="Title 1">
+            <a:extLst>
+              <a:ext uri="{FF2B5EF4-FFF2-40B4-BE49-F238E27FC236}">
+                <a16:creationId xmlns:a16="http://schemas.microsoft.com/office/drawing/2014/main" id="{0645BCCF-6C91-A5E4-4EA5-57FFA4081288}"/>
+              </a:ext>
+            </a:extLst>
+          </p:cNvPr>
+          <p:cNvSpPr>
+            <a:spLocks noGrp="1"/>
+          </p:cNvSpPr>
+          <p:nvPr>
+            <p:ph type="title"/>
+          </p:nvPr>
+        </p:nvSpPr>
+        <p:spPr/>
+        <p:txBody>
+          <a:bodyPr/>
+          <a:lstStyle/>
+          <a:p>
+            <a:r>
+              <a:rPr lang="en-IN" dirty="0">
+                <a:latin typeface="Algerian" panose="04020705040A02060702" pitchFamily="82" charset="0"/>
+              </a:rPr>
+              <a:t>METHODOLOGY</a:t>
+            </a:r>
+          </a:p>
+        </p:txBody>
+      </p:sp>
+      <p:sp>
+        <p:nvSpPr>
           <p:cNvPr id="3" name="Content Placeholder 2">
             <a:extLst>
               <a:ext uri="{FF2B5EF4-FFF2-40B4-BE49-F238E27FC236}">
-                <a16:creationId xmlns:a16="http://schemas.microsoft.com/office/drawing/2014/main" id="{D660F553-C79E-58E7-4B28-20F8C175818A}"/>
+                <a16:creationId xmlns:a16="http://schemas.microsoft.com/office/drawing/2014/main" id="{AC5CB152-372A-5CC4-1DF0-E6CA89C2078B}"/>
               </a:ext>
             </a:extLst>
           </p:cNvPr>
@@ -3668,15 +3679,10 @@
             <p:ph idx="1"/>
           </p:nvPr>
         </p:nvSpPr>
-        <p:spPr>
-          <a:xfrm>
-            <a:off x="838200" y="537882"/>
-            <a:ext cx="10515600" cy="5639081"/>
-          </a:xfrm>
-        </p:spPr>
+        <p:spPr/>
         <p:txBody>
           <a:bodyPr>
-            <a:normAutofit fontScale="92500" lnSpcReduction="20000"/>
+            <a:normAutofit fontScale="62500" lnSpcReduction="20000"/>
           </a:bodyPr>
           <a:lstStyle/>
           <a:p>
@@ -3685,7 +3691,7 @@
             </a:pPr>
             <a:r>
               <a:rPr lang="en-US" dirty="0"/>
-              <a:t>5. Intaglio Printing : </a:t>
+              <a:t>1. See through Register :</a:t>
             </a:r>
           </a:p>
           <a:p>
@@ -3694,7 +3700,7 @@
             </a:pPr>
             <a:r>
               <a:rPr lang="en-US" dirty="0"/>
-              <a:t>                      The portrait of Mahatma Gandhi, the Reserve Bank seal, guarantee and promise clause, Ashoka Pillar Emblem on the left, RBI Governor's signature are printed in intaglio i.e. in raised prints, which can be felt by touch, in Rs.20, Rs.50, Rs.100, Rs.500 and Rs.1000 notes. </a:t>
+              <a:t>                        The small floral design printed both on the front (hollow)and back (filled up) of the note in the middle of the vertical band next to the Watermark has an accurate back to back registration. The design will appear as floral design when seen against the light. </a:t>
             </a:r>
           </a:p>
           <a:p>
@@ -3703,7 +3709,7 @@
             </a:pPr>
             <a:r>
               <a:rPr lang="en-US" dirty="0"/>
-              <a:t>6. Latent image : </a:t>
+              <a:t>2. Water marking : </a:t>
             </a:r>
           </a:p>
           <a:p>
@@ -3712,7 +3718,7 @@
             </a:pPr>
             <a:r>
               <a:rPr lang="en-US" dirty="0"/>
-              <a:t>                     On the obverse side of Rs.1000, Rs.500, Rs.100, Rs.50 and Rs.20 notes, a vertical band on the right side of the Mahatma Gandhi’s portrait contains a latent image showing the respective denominational value in numeral. The latent image is visible only when the note is held horizontally at eye level. </a:t>
+              <a:t>                          The Mahatma Gandhi Series of banknotes contain the Mahatma Gandhi watermark with a light and shade effect and multidirectional lines in the watermark window. </a:t>
             </a:r>
           </a:p>
           <a:p>
@@ -3721,7 +3727,7 @@
             </a:pPr>
             <a:r>
               <a:rPr lang="en-US" dirty="0"/>
-              <a:t>7. Micro lettering :  </a:t>
+              <a:t>3. Fluorescence : </a:t>
             </a:r>
           </a:p>
           <a:p>
@@ -3730,7 +3736,33 @@
             </a:pPr>
             <a:r>
               <a:rPr lang="en-US" dirty="0"/>
-              <a:t>            This feature appears between the vertical band and Mahatma Gandhi portrait. It always contains the word “RBI” in Rs.5 and Rs.10. The notes of Rs.20 and above also contain the denominational value of the notes in micro letters. This feature can be seen well under a magnifying glass</a:t>
+              <a:t>                    Number panels of the notes are printed in fluorescent ink. The notes also have optical </a:t>
+            </a:r>
+            <a:r>
+              <a:rPr lang="en-US" dirty="0" err="1"/>
+              <a:t>fibres</a:t>
+            </a:r>
+            <a:r>
+              <a:rPr lang="en-US" dirty="0"/>
+              <a:t>. Both can be seen when the notes are exposed to ultra-violet lamp. </a:t>
+            </a:r>
+          </a:p>
+          <a:p>
+            <a:pPr marL="0" indent="0">
+              <a:buNone/>
+            </a:pPr>
+            <a:r>
+              <a:rPr lang="en-US" dirty="0"/>
+              <a:t>4. Security Thread :  </a:t>
+            </a:r>
+          </a:p>
+          <a:p>
+            <a:pPr marL="0" indent="0">
+              <a:buNone/>
+            </a:pPr>
+            <a:r>
+              <a:rPr lang="en-US" dirty="0"/>
+              <a:t>                               The Rs.500 and Rs.100 notes have a security thread with similar visible features and inscription Bharat (in Hindi), and RBI. When held against the light, the security thread on Rs.1000, Rs.500 and Rs.100 can be seen as one continuous line. The Rs.5, Rs.10, Rs.20 and Rs.50 notes contain a readable, fully embedded windowed security thread with the inscription “Bharat” (in Hindi), and RBI. The security thread appears to the left of the Mahatma's portrait</a:t>
             </a:r>
             <a:endParaRPr lang="en-IN" dirty="0"/>
           </a:p>
@@ -3739,7 +3771,7 @@
     </p:spTree>
     <p:extLst>
       <p:ext uri="{BB962C8B-B14F-4D97-AF65-F5344CB8AC3E}">
-        <p14:creationId xmlns:p14="http://schemas.microsoft.com/office/powerpoint/2010/main" val="1019436021"/>
+        <p14:creationId xmlns:p14="http://schemas.microsoft.com/office/powerpoint/2010/main" val="84277661"/>
       </p:ext>
     </p:extLst>
   </p:cSld>
@@ -3768,40 +3800,10 @@
       </p:grpSpPr>
       <p:sp>
         <p:nvSpPr>
-          <p:cNvPr id="2" name="Title 1">
-            <a:extLst>
-              <a:ext uri="{FF2B5EF4-FFF2-40B4-BE49-F238E27FC236}">
-                <a16:creationId xmlns:a16="http://schemas.microsoft.com/office/drawing/2014/main" id="{8F6682DD-E6C1-9BFD-5E42-C371497FB9C6}"/>
-              </a:ext>
-            </a:extLst>
-          </p:cNvPr>
-          <p:cNvSpPr>
-            <a:spLocks noGrp="1"/>
-          </p:cNvSpPr>
-          <p:nvPr>
-            <p:ph type="title"/>
-          </p:nvPr>
-        </p:nvSpPr>
-        <p:spPr/>
-        <p:txBody>
-          <a:bodyPr/>
-          <a:lstStyle/>
-          <a:p>
-            <a:r>
-              <a:rPr lang="en-IN" dirty="0">
-                <a:latin typeface="Algerian" panose="04020705040A02060702" pitchFamily="82" charset="0"/>
-              </a:rPr>
-              <a:t>MODULES</a:t>
-            </a:r>
-          </a:p>
-        </p:txBody>
-      </p:sp>
-      <p:sp>
-        <p:nvSpPr>
           <p:cNvPr id="3" name="Content Placeholder 2">
             <a:extLst>
               <a:ext uri="{FF2B5EF4-FFF2-40B4-BE49-F238E27FC236}">
-                <a16:creationId xmlns:a16="http://schemas.microsoft.com/office/drawing/2014/main" id="{83D549DF-87F8-169F-FEB8-813DFE93324B}"/>
+                <a16:creationId xmlns:a16="http://schemas.microsoft.com/office/drawing/2014/main" id="{D660F553-C79E-58E7-4B28-20F8C175818A}"/>
               </a:ext>
             </a:extLst>
           </p:cNvPr>
@@ -3812,46 +3814,78 @@
             <p:ph idx="1"/>
           </p:nvPr>
         </p:nvSpPr>
-        <p:spPr/>
-        <p:txBody>
-          <a:bodyPr/>
-          <a:lstStyle/>
-          <a:p>
-            <a:r>
-              <a:rPr lang="en-IN" dirty="0"/>
-              <a:t>Pre-process</a:t>
-            </a:r>
-          </a:p>
-          <a:p>
-            <a:r>
-              <a:rPr lang="en-IN" dirty="0"/>
-              <a:t>Segmentation</a:t>
-            </a:r>
-          </a:p>
-          <a:p>
-            <a:r>
-              <a:rPr lang="en-IN" dirty="0"/>
-              <a:t>Acquisition</a:t>
-            </a:r>
-          </a:p>
-          <a:p>
-            <a:r>
-              <a:rPr lang="en-IN" dirty="0"/>
-              <a:t>Comparison </a:t>
-            </a:r>
-          </a:p>
-          <a:p>
-            <a:r>
-              <a:rPr lang="en-IN" dirty="0"/>
-              <a:t>Result</a:t>
-            </a:r>
+        <p:spPr>
+          <a:xfrm>
+            <a:off x="838200" y="537882"/>
+            <a:ext cx="10515600" cy="5639081"/>
+          </a:xfrm>
+        </p:spPr>
+        <p:txBody>
+          <a:bodyPr>
+            <a:normAutofit fontScale="92500" lnSpcReduction="20000"/>
+          </a:bodyPr>
+          <a:lstStyle/>
+          <a:p>
+            <a:pPr marL="0" indent="0">
+              <a:buNone/>
+            </a:pPr>
+            <a:r>
+              <a:rPr lang="en-US" dirty="0"/>
+              <a:t>5. Intaglio Printing : </a:t>
+            </a:r>
+          </a:p>
+          <a:p>
+            <a:pPr marL="0" indent="0">
+              <a:buNone/>
+            </a:pPr>
+            <a:r>
+              <a:rPr lang="en-US" dirty="0"/>
+              <a:t>                      The portrait of Mahatma Gandhi, the Reserve Bank seal, guarantee and promise clause, Ashoka Pillar Emblem on the left, RBI Governor's signature are printed in intaglio i.e. in raised prints, which can be felt by touch, in Rs.20, Rs.50, Rs.100, Rs.500 and Rs.1000 notes. </a:t>
+            </a:r>
+          </a:p>
+          <a:p>
+            <a:pPr marL="0" indent="0">
+              <a:buNone/>
+            </a:pPr>
+            <a:r>
+              <a:rPr lang="en-US" dirty="0"/>
+              <a:t>6. Latent image : </a:t>
+            </a:r>
+          </a:p>
+          <a:p>
+            <a:pPr marL="0" indent="0">
+              <a:buNone/>
+            </a:pPr>
+            <a:r>
+              <a:rPr lang="en-US" dirty="0"/>
+              <a:t>                     On the obverse side of Rs.1000, Rs.500, Rs.100, Rs.50 and Rs.20 notes, a vertical band on the right side of the Mahatma Gandhi’s portrait contains a latent image showing the respective denominational value in numeral. The latent image is visible only when the note is held horizontally at eye level. </a:t>
+            </a:r>
+          </a:p>
+          <a:p>
+            <a:pPr marL="0" indent="0">
+              <a:buNone/>
+            </a:pPr>
+            <a:r>
+              <a:rPr lang="en-US" dirty="0"/>
+              <a:t>7. Micro lettering :  </a:t>
+            </a:r>
+          </a:p>
+          <a:p>
+            <a:pPr marL="0" indent="0">
+              <a:buNone/>
+            </a:pPr>
+            <a:r>
+              <a:rPr lang="en-US" dirty="0"/>
+              <a:t>            This feature appears between the vertical band and Mahatma Gandhi portrait. It always contains the word “RBI” in Rs.5 and Rs.10. The notes of Rs.20 and above also contain the denominational value of the notes in micro letters. This feature can be seen well under a magnifying glass</a:t>
+            </a:r>
+            <a:endParaRPr lang="en-IN" dirty="0"/>
           </a:p>
         </p:txBody>
       </p:sp>
     </p:spTree>
     <p:extLst>
       <p:ext uri="{BB962C8B-B14F-4D97-AF65-F5344CB8AC3E}">
-        <p14:creationId xmlns:p14="http://schemas.microsoft.com/office/powerpoint/2010/main" val="2738795483"/>
+        <p14:creationId xmlns:p14="http://schemas.microsoft.com/office/powerpoint/2010/main" val="1019436021"/>
       </p:ext>
     </p:extLst>
   </p:cSld>
@@ -3883,6 +3917,118 @@
           <p:cNvPr id="2" name="Title 1">
             <a:extLst>
               <a:ext uri="{FF2B5EF4-FFF2-40B4-BE49-F238E27FC236}">
+                <a16:creationId xmlns:a16="http://schemas.microsoft.com/office/drawing/2014/main" id="{8F6682DD-E6C1-9BFD-5E42-C371497FB9C6}"/>
+              </a:ext>
+            </a:extLst>
+          </p:cNvPr>
+          <p:cNvSpPr>
+            <a:spLocks noGrp="1"/>
+          </p:cNvSpPr>
+          <p:nvPr>
+            <p:ph type="title"/>
+          </p:nvPr>
+        </p:nvSpPr>
+        <p:spPr/>
+        <p:txBody>
+          <a:bodyPr/>
+          <a:lstStyle/>
+          <a:p>
+            <a:r>
+              <a:rPr lang="en-IN" dirty="0">
+                <a:latin typeface="Algerian" panose="04020705040A02060702" pitchFamily="82" charset="0"/>
+              </a:rPr>
+              <a:t>MODULES</a:t>
+            </a:r>
+          </a:p>
+        </p:txBody>
+      </p:sp>
+      <p:sp>
+        <p:nvSpPr>
+          <p:cNvPr id="3" name="Content Placeholder 2">
+            <a:extLst>
+              <a:ext uri="{FF2B5EF4-FFF2-40B4-BE49-F238E27FC236}">
+                <a16:creationId xmlns:a16="http://schemas.microsoft.com/office/drawing/2014/main" id="{83D549DF-87F8-169F-FEB8-813DFE93324B}"/>
+              </a:ext>
+            </a:extLst>
+          </p:cNvPr>
+          <p:cNvSpPr>
+            <a:spLocks noGrp="1"/>
+          </p:cNvSpPr>
+          <p:nvPr>
+            <p:ph idx="1"/>
+          </p:nvPr>
+        </p:nvSpPr>
+        <p:spPr/>
+        <p:txBody>
+          <a:bodyPr/>
+          <a:lstStyle/>
+          <a:p>
+            <a:r>
+              <a:rPr lang="en-IN" dirty="0"/>
+              <a:t>Pre-process</a:t>
+            </a:r>
+          </a:p>
+          <a:p>
+            <a:r>
+              <a:rPr lang="en-IN" dirty="0"/>
+              <a:t>Segmentation</a:t>
+            </a:r>
+          </a:p>
+          <a:p>
+            <a:r>
+              <a:rPr lang="en-IN" dirty="0"/>
+              <a:t>Acquisition</a:t>
+            </a:r>
+          </a:p>
+          <a:p>
+            <a:r>
+              <a:rPr lang="en-IN" dirty="0"/>
+              <a:t>Comparison </a:t>
+            </a:r>
+          </a:p>
+          <a:p>
+            <a:r>
+              <a:rPr lang="en-IN" dirty="0"/>
+              <a:t>Result</a:t>
+            </a:r>
+          </a:p>
+        </p:txBody>
+      </p:sp>
+    </p:spTree>
+    <p:extLst>
+      <p:ext uri="{BB962C8B-B14F-4D97-AF65-F5344CB8AC3E}">
+        <p14:creationId xmlns:p14="http://schemas.microsoft.com/office/powerpoint/2010/main" val="2738795483"/>
+      </p:ext>
+    </p:extLst>
+  </p:cSld>
+  <p:clrMapOvr>
+    <a:masterClrMapping/>
+  </p:clrMapOvr>
+</p:sld>
+</file>
+
+<file path=ppt/slides/slide14.xml><?xml version="1.0" encoding="utf-8"?>
+<p:sld xmlns:a="http://schemas.openxmlformats.org/drawingml/2006/main" xmlns:r="http://schemas.openxmlformats.org/officeDocument/2006/relationships" xmlns:p="http://schemas.openxmlformats.org/presentationml/2006/main">
+  <p:cSld>
+    <p:spTree>
+      <p:nvGrpSpPr>
+        <p:cNvPr id="1" name=""/>
+        <p:cNvGrpSpPr/>
+        <p:nvPr/>
+      </p:nvGrpSpPr>
+      <p:grpSpPr>
+        <a:xfrm>
+          <a:off x="0" y="0"/>
+          <a:ext cx="0" cy="0"/>
+          <a:chOff x="0" y="0"/>
+          <a:chExt cx="0" cy="0"/>
+        </a:xfrm>
+      </p:grpSpPr>
+      <p:sp>
+        <p:nvSpPr>
+          <p:cNvPr id="2" name="Title 1">
+            <a:extLst>
+              <a:ext uri="{FF2B5EF4-FFF2-40B4-BE49-F238E27FC236}">
                 <a16:creationId xmlns:a16="http://schemas.microsoft.com/office/drawing/2014/main" id="{16DEF72C-EF81-E36C-423E-332F62A2D80A}"/>
               </a:ext>
             </a:extLst>
@@ -3956,7 +4102,7 @@
 </p:sld>
 </file>
 
-<file path=ppt/slides/slide14.xml><?xml version="1.0" encoding="utf-8"?>
+<file path=ppt/slides/slide15.xml><?xml version="1.0" encoding="utf-8"?>
 <p:sld xmlns:a="http://schemas.openxmlformats.org/drawingml/2006/main" xmlns:r="http://schemas.openxmlformats.org/officeDocument/2006/relationships" xmlns:p="http://schemas.openxmlformats.org/presentationml/2006/main">
   <p:cSld>
     <p:spTree>
@@ -5542,7 +5688,7 @@
           <p:cNvPr id="2" name="Title 1">
             <a:extLst>
               <a:ext uri="{FF2B5EF4-FFF2-40B4-BE49-F238E27FC236}">
-                <a16:creationId xmlns:a16="http://schemas.microsoft.com/office/drawing/2014/main" id="{BA769F0C-E38E-9142-F5E1-E44888EA9987}"/>
+                <a16:creationId xmlns:a16="http://schemas.microsoft.com/office/drawing/2014/main" id="{A873790E-2B26-431F-5552-565A0CBCD971}"/>
               </a:ext>
             </a:extLst>
           </p:cNvPr>
@@ -5559,103 +5705,150 @@
           <a:lstStyle/>
           <a:p>
             <a:r>
-              <a:rPr lang="en-IN" dirty="0">
+              <a:rPr lang="en-IN">
                 <a:latin typeface="Algerian" panose="04020705040A02060702" pitchFamily="82" charset="0"/>
               </a:rPr>
-              <a:t>KNN TECHNIQUE</a:t>
-            </a:r>
-          </a:p>
-        </p:txBody>
-      </p:sp>
-      <p:sp>
-        <p:nvSpPr>
-          <p:cNvPr id="3" name="Content Placeholder 2">
-            <a:extLst>
-              <a:ext uri="{FF2B5EF4-FFF2-40B4-BE49-F238E27FC236}">
-                <a16:creationId xmlns:a16="http://schemas.microsoft.com/office/drawing/2014/main" id="{20BFEC9D-6A68-A5D5-EED7-04605063126C}"/>
-              </a:ext>
-            </a:extLst>
-          </p:cNvPr>
-          <p:cNvSpPr>
-            <a:spLocks noGrp="1"/>
-          </p:cNvSpPr>
+              <a:t>SYSTEM ARCHITECTURE</a:t>
+            </a:r>
+            <a:endParaRPr lang="en-IN" dirty="0"/>
+          </a:p>
+        </p:txBody>
+      </p:sp>
+      <p:pic>
+        <p:nvPicPr>
+          <p:cNvPr id="5" name="Content Placeholder 4">
+            <a:extLst>
+              <a:ext uri="{FF2B5EF4-FFF2-40B4-BE49-F238E27FC236}">
+                <a16:creationId xmlns:a16="http://schemas.microsoft.com/office/drawing/2014/main" id="{B130588B-FBAB-6F8F-D9BA-42A6ECA1189F}"/>
+              </a:ext>
+            </a:extLst>
+          </p:cNvPr>
+          <p:cNvPicPr>
+            <a:picLocks noGrp="1" noChangeAspect="1"/>
+          </p:cNvPicPr>
           <p:nvPr>
             <p:ph idx="1"/>
           </p:nvPr>
-        </p:nvSpPr>
-        <p:spPr/>
-        <p:txBody>
-          <a:bodyPr>
-            <a:normAutofit fontScale="77500" lnSpcReduction="20000"/>
-          </a:bodyPr>
-          <a:lstStyle/>
-          <a:p>
-            <a:r>
-              <a:rPr lang="en-US" dirty="0"/>
-              <a:t>K nearest </a:t>
-            </a:r>
-            <a:r>
-              <a:rPr lang="en-US" dirty="0" err="1"/>
-              <a:t>neighbour</a:t>
-            </a:r>
-            <a:r>
-              <a:rPr lang="en-US" dirty="0"/>
-              <a:t> algorithm is very simple.</a:t>
-            </a:r>
-          </a:p>
-          <a:p>
-            <a:r>
-              <a:rPr lang="en-US" dirty="0"/>
-              <a:t> It works based on minimum distance from the query instance to the training samples to determine the K-nearest </a:t>
-            </a:r>
-            <a:r>
-              <a:rPr lang="en-US" dirty="0" err="1"/>
-              <a:t>neighbours</a:t>
-            </a:r>
-            <a:r>
-              <a:rPr lang="en-US" dirty="0"/>
-              <a:t>.</a:t>
-            </a:r>
-          </a:p>
-          <a:p>
-            <a:r>
-              <a:rPr lang="en-US" dirty="0"/>
-              <a:t> The data for KNN algorithm consist of several multivariate attributes name that will be used to classify images. </a:t>
-            </a:r>
-          </a:p>
-          <a:p>
-            <a:r>
-              <a:rPr lang="en-US" dirty="0"/>
-              <a:t>K nearest </a:t>
-            </a:r>
-            <a:r>
-              <a:rPr lang="en-US" dirty="0" err="1"/>
-              <a:t>neighbours</a:t>
-            </a:r>
-            <a:r>
-              <a:rPr lang="en-US" dirty="0"/>
-              <a:t> is a simple algorithm that stores all available cases and classifies new cases based on a similarity measure (e.g., distance functions). KNN has been used in statistical estimation and pattern recognition. </a:t>
-            </a:r>
-          </a:p>
-          <a:p>
-            <a:r>
-              <a:rPr lang="en-US" dirty="0"/>
-              <a:t>The KNN algorithm is a robust and versatile classifier that is often used as a benchmark for more complex classifiers such as Artificial Neural Networks (ANN) and Support Vector Machines (SVM). </a:t>
-            </a:r>
-          </a:p>
-          <a:p>
-            <a:r>
-              <a:rPr lang="en-US" dirty="0"/>
-              <a:t>Despite its simplicity, KNN can outperform more powerful classifiers and is used in a variety of applications such as economic forecasting, data compression and genetics. For example, KNN was leveraged of functional genomics for the assignment of genes based on their expression profiles. </a:t>
-            </a:r>
-            <a:endParaRPr lang="en-IN" dirty="0"/>
+        </p:nvPicPr>
+        <p:blipFill>
+          <a:blip r:embed="rId2">
+            <a:extLst>
+              <a:ext uri="{28A0092B-C50C-407E-A947-70E740481C1C}">
+                <a14:useLocalDpi xmlns:a14="http://schemas.microsoft.com/office/drawing/2010/main" val="0"/>
+              </a:ext>
+            </a:extLst>
+          </a:blip>
+          <a:stretch>
+            <a:fillRect/>
+          </a:stretch>
+        </p:blipFill>
+        <p:spPr>
+          <a:xfrm>
+            <a:off x="2386012" y="1828150"/>
+            <a:ext cx="7419975" cy="3829050"/>
+          </a:xfrm>
+        </p:spPr>
+      </p:pic>
+      <p:sp>
+        <p:nvSpPr>
+          <p:cNvPr id="25" name="Rectangle 24">
+            <a:extLst>
+              <a:ext uri="{FF2B5EF4-FFF2-40B4-BE49-F238E27FC236}">
+                <a16:creationId xmlns:a16="http://schemas.microsoft.com/office/drawing/2014/main" id="{66221D4C-5CEF-B171-AE39-E046D0011F57}"/>
+              </a:ext>
+            </a:extLst>
+          </p:cNvPr>
+          <p:cNvSpPr/>
+          <p:nvPr/>
+        </p:nvSpPr>
+        <p:spPr>
+          <a:xfrm>
+            <a:off x="5606473" y="4599709"/>
+            <a:ext cx="895927" cy="692727"/>
+          </a:xfrm>
+          <a:prstGeom prst="rect">
+            <a:avLst/>
+          </a:prstGeom>
+        </p:spPr>
+        <p:style>
+          <a:lnRef idx="2">
+            <a:schemeClr val="dk1"/>
+          </a:lnRef>
+          <a:fillRef idx="1">
+            <a:schemeClr val="lt1"/>
+          </a:fillRef>
+          <a:effectRef idx="0">
+            <a:schemeClr val="dk1"/>
+          </a:effectRef>
+          <a:fontRef idx="minor">
+            <a:schemeClr val="dk1"/>
+          </a:fontRef>
+        </p:style>
+        <p:txBody>
+          <a:bodyPr rtlCol="0" anchor="ctr"/>
+          <a:lstStyle/>
+          <a:p>
+            <a:pPr algn="ctr"/>
+            <a:r>
+              <a:rPr lang="en-US" sz="1200" dirty="0"/>
+              <a:t>API FORMAT</a:t>
+            </a:r>
+            <a:endParaRPr lang="en-IN" sz="1200" dirty="0"/>
+          </a:p>
+        </p:txBody>
+      </p:sp>
+      <p:sp>
+        <p:nvSpPr>
+          <p:cNvPr id="26" name="Rectangle 25">
+            <a:extLst>
+              <a:ext uri="{FF2B5EF4-FFF2-40B4-BE49-F238E27FC236}">
+                <a16:creationId xmlns:a16="http://schemas.microsoft.com/office/drawing/2014/main" id="{2A13DF32-2A5F-2AF2-EBB3-33AB9E7F9BC3}"/>
+              </a:ext>
+            </a:extLst>
+          </p:cNvPr>
+          <p:cNvSpPr/>
+          <p:nvPr/>
+        </p:nvSpPr>
+        <p:spPr>
+          <a:xfrm>
+            <a:off x="7258268" y="4451928"/>
+            <a:ext cx="895926" cy="692727"/>
+          </a:xfrm>
+          <a:prstGeom prst="rect">
+            <a:avLst/>
+          </a:prstGeom>
+        </p:spPr>
+        <p:style>
+          <a:lnRef idx="2">
+            <a:schemeClr val="dk1"/>
+          </a:lnRef>
+          <a:fillRef idx="1">
+            <a:schemeClr val="lt1"/>
+          </a:fillRef>
+          <a:effectRef idx="0">
+            <a:schemeClr val="dk1"/>
+          </a:effectRef>
+          <a:fontRef idx="minor">
+            <a:schemeClr val="dk1"/>
+          </a:fontRef>
+        </p:style>
+        <p:txBody>
+          <a:bodyPr rtlCol="0" anchor="ctr"/>
+          <a:lstStyle/>
+          <a:p>
+            <a:pPr algn="ctr"/>
+            <a:r>
+              <a:rPr lang="en-US" sz="1200" dirty="0"/>
+              <a:t>KNN Processing</a:t>
+            </a:r>
+            <a:endParaRPr lang="en-IN" sz="1200" dirty="0"/>
           </a:p>
         </p:txBody>
       </p:sp>
     </p:spTree>
     <p:extLst>
       <p:ext uri="{BB962C8B-B14F-4D97-AF65-F5344CB8AC3E}">
-        <p14:creationId xmlns:p14="http://schemas.microsoft.com/office/powerpoint/2010/main" val="2046627184"/>
+        <p14:creationId xmlns:p14="http://schemas.microsoft.com/office/powerpoint/2010/main" val="4174235075"/>
       </p:ext>
     </p:extLst>
   </p:cSld>

--- a/final/1st review/FAKE CURRENCY DETECTION USING IMAGE PROCESSING.pptx
+++ b/final/1st review/FAKE CURRENCY DETECTION USING IMAGE PROCESSING.pptx
@@ -254,8 +254,11 @@
     </a:lvl9pPr>
   </p:defaultTextStyle>
   <p:extLst>
+    <p:ext uri="{EFAFB233-063F-42B5-8137-9DF3F51BA10A}">
+      <p15:sldGuideLst xmlns:p15="http://schemas.microsoft.com/office/powerpoint/2012/main"/>
+    </p:ext>
     <p:ext uri="http://customooxmlschemas.google.com/">
-      <go:slidesCustomData xmlns:go="http://customooxmlschemas.google.com/" xmlns:ahyp="http://schemas.microsoft.com/office/drawing/2018/hyperlinkcolor" xmlns:p15="http://schemas.microsoft.com/office/powerpoint/2012/main" xmlns:p14="http://schemas.microsoft.com/office/powerpoint/2010/main" xmlns:com="http://schemas.openxmlformats.org/drawingml/2006/compatibility" xmlns:pvml="urn:schemas-microsoft-com:office:powerpoint" xmlns:v="urn:schemas-microsoft-com:vml" xmlns:o="urn:schemas-microsoft-com:office:office" xmlns:dgm="http://schemas.openxmlformats.org/drawingml/2006/diagram" xmlns:c="http://schemas.openxmlformats.org/drawingml/2006/chart" xmlns:mv="urn:schemas-microsoft-com:mac:vml" xmlns:mc="http://schemas.openxmlformats.org/markup-compatibility/2006" xmlns="" r:id="rId19" roundtripDataSignature="AMtx7mieMCNjtQBrrot0qe6iwBlGvLT4Jg=="/>
+      <go:slidesCustomData xmlns="" xmlns:mc="http://schemas.openxmlformats.org/markup-compatibility/2006" xmlns:mv="urn:schemas-microsoft-com:mac:vml" xmlns:c="http://schemas.openxmlformats.org/drawingml/2006/chart" xmlns:dgm="http://schemas.openxmlformats.org/drawingml/2006/diagram" xmlns:o="urn:schemas-microsoft-com:office:office" xmlns:v="urn:schemas-microsoft-com:vml" xmlns:pvml="urn:schemas-microsoft-com:office:powerpoint" xmlns:com="http://schemas.openxmlformats.org/drawingml/2006/compatibility" xmlns:p14="http://schemas.microsoft.com/office/powerpoint/2010/main" xmlns:p15="http://schemas.microsoft.com/office/powerpoint/2012/main" xmlns:ahyp="http://schemas.microsoft.com/office/drawing/2018/hyperlinkcolor" xmlns:go="http://customooxmlschemas.google.com/" r:id="rId19" roundtripDataSignature="AMtx7mieMCNjtQBrrot0qe6iwBlGvLT4Jg=="/>
     </p:ext>
   </p:extLst>
 </p:presentation>
@@ -2317,8 +2320,8 @@
         </p:nvSpPr>
         <p:spPr>
           <a:xfrm>
-            <a:off x="1143225" y="685800"/>
-            <a:ext cx="4572225" cy="3429000"/>
+            <a:off x="381000" y="685800"/>
+            <a:ext cx="6096000" cy="3429000"/>
           </a:xfrm>
           <a:custGeom>
             <a:avLst/>
@@ -17943,11 +17946,17 @@
         <p:nvGraphicFramePr>
           <p:cNvPr id="140" name="Google Shape;140;p23"/>
           <p:cNvGraphicFramePr/>
-          <p:nvPr/>
+          <p:nvPr>
+            <p:extLst>
+              <p:ext uri="{D42A27DB-BD31-4B8C-83A1-F6EECF244321}">
+                <p14:modId xmlns:p14="http://schemas.microsoft.com/office/powerpoint/2010/main" val="3584928149"/>
+              </p:ext>
+            </p:extLst>
+          </p:nvPr>
         </p:nvGraphicFramePr>
         <p:xfrm>
           <a:off x="1020721" y="1731275"/>
-          <a:ext cx="3000000" cy="3000000"/>
+          <a:ext cx="10237400" cy="4326560"/>
         </p:xfrm>
         <a:graphic>
           <a:graphicData uri="http://schemas.openxmlformats.org/drawingml/2006/table">
@@ -18194,10 +18203,10 @@
                         <a:buNone/>
                       </a:pPr>
                       <a:r>
-                        <a:rPr lang="en-US" sz="1800" u="none" strike="noStrike" cap="none"/>
-                        <a:t>Data collection(leaf images)</a:t>
+                        <a:rPr lang="en-US" sz="1800" u="none" strike="noStrike" cap="none" dirty="0"/>
+                        <a:t>Data collection(Currency Details)</a:t>
                       </a:r>
-                      <a:endParaRPr sz="1800" u="none" strike="noStrike" cap="none"/>
+                      <a:endParaRPr sz="1800" u="none" strike="noStrike" cap="none" dirty="0"/>
                     </a:p>
                   </a:txBody>
                   <a:tcPr marL="91450" marR="91450" marT="45725" marB="45725" anchor="ctr">
@@ -18224,10 +18233,10 @@
                         <a:buNone/>
                       </a:pPr>
                       <a:r>
-                        <a:rPr lang="en-US" sz="1600" u="none" strike="noStrike" cap="none"/>
-                        <a:t>Collecting raw images of paddy leaves</a:t>
+                        <a:rPr lang="en-US" sz="1600" u="none" strike="noStrike" cap="none" dirty="0"/>
+                        <a:t>Collecting raw images of currency note</a:t>
                       </a:r>
-                      <a:endParaRPr sz="1800" u="none" strike="noStrike" cap="none"/>
+                      <a:endParaRPr sz="1800" u="none" strike="noStrike" cap="none" dirty="0"/>
                     </a:p>
                   </a:txBody>
                   <a:tcPr marL="91450" marR="91450" marT="45725" marB="45725" anchor="ctr">
@@ -18351,10 +18360,10 @@
                         <a:buNone/>
                       </a:pPr>
                       <a:r>
-                        <a:rPr lang="en-US" sz="1600" u="none" strike="noStrike" cap="none"/>
+                        <a:rPr lang="en-US" sz="1600" u="none" strike="noStrike" cap="none" dirty="0"/>
                         <a:t>Scaling the images for effective utilization</a:t>
                       </a:r>
-                      <a:endParaRPr sz="1600" u="none" strike="noStrike" cap="none"/>
+                      <a:endParaRPr sz="1600" u="none" strike="noStrike" cap="none" dirty="0"/>
                     </a:p>
                   </a:txBody>
                   <a:tcPr marL="91450" marR="91450" marT="45725" marB="45725" anchor="ctr">
@@ -18478,10 +18487,10 @@
                         <a:buNone/>
                       </a:pPr>
                       <a:r>
-                        <a:rPr lang="en-US" sz="1600" u="none" strike="noStrike" cap="none"/>
+                        <a:rPr lang="en-US" sz="1600" u="none" strike="noStrike" cap="none" dirty="0"/>
                         <a:t>Choosing the best model for better accuracy</a:t>
                       </a:r>
-                      <a:endParaRPr sz="1600" u="none" strike="noStrike" cap="none"/>
+                      <a:endParaRPr sz="1600" u="none" strike="noStrike" cap="none" dirty="0"/>
                     </a:p>
                   </a:txBody>
                   <a:tcPr marL="91450" marR="91450" marT="45725" marB="45725" anchor="ctr">
@@ -18605,10 +18614,10 @@
                         <a:buNone/>
                       </a:pPr>
                       <a:r>
-                        <a:rPr lang="en-US" sz="1600" u="none" strike="noStrike" cap="none"/>
+                        <a:rPr lang="en-US" sz="1600" u="none" strike="noStrike" cap="none" dirty="0"/>
                         <a:t>Model will be trained and tested numerous times</a:t>
                       </a:r>
-                      <a:endParaRPr sz="1600" u="none" strike="noStrike" cap="none"/>
+                      <a:endParaRPr sz="1600" u="none" strike="noStrike" cap="none" dirty="0"/>
                     </a:p>
                   </a:txBody>
                   <a:tcPr marL="91450" marR="91450" marT="45725" marB="45725" anchor="ctr">
@@ -18889,10 +18898,10 @@
                         <a:buNone/>
                       </a:pPr>
                       <a:r>
-                        <a:rPr lang="en-US" sz="1800" u="none" strike="noStrike" cap="none"/>
+                        <a:rPr lang="en-US" sz="1800" u="none" strike="noStrike" cap="none" dirty="0"/>
                         <a:t>31/03/2023</a:t>
                       </a:r>
-                      <a:endParaRPr sz="1800" u="none" strike="noStrike" cap="none"/>
+                      <a:endParaRPr sz="1800" u="none" strike="noStrike" cap="none" dirty="0"/>
                     </a:p>
                   </a:txBody>
                   <a:tcPr marL="91450" marR="91450" marT="45725" marB="45725" anchor="ctr">
